--- a/part2_snakemake/snakemake.pptx
+++ b/part2_snakemake/snakemake.pptx
@@ -222,7 +222,7 @@
           <a:p>
             <a:fld id="{E3F296CD-6E58-DC4E-A0EB-CDC3D8FD3BFA}" type="datetimeFigureOut">
               <a:rPr lang="en-US" smtClean="0"/>
-              <a:t>12/27/23</a:t>
+              <a:t>1/12/24</a:t>
             </a:fld>
             <a:endParaRPr lang="en-US"/>
           </a:p>
@@ -1500,7 +1500,7 @@
           <a:p>
             <a:fld id="{241C2AFF-2713-CE47-B7A0-9D68EEB70F09}" type="datetimeFigureOut">
               <a:rPr lang="en-US" smtClean="0"/>
-              <a:t>12/27/23</a:t>
+              <a:t>1/12/24</a:t>
             </a:fld>
             <a:endParaRPr lang="en-US"/>
           </a:p>
@@ -1698,7 +1698,7 @@
           <a:p>
             <a:fld id="{241C2AFF-2713-CE47-B7A0-9D68EEB70F09}" type="datetimeFigureOut">
               <a:rPr lang="en-US" smtClean="0"/>
-              <a:t>12/27/23</a:t>
+              <a:t>1/12/24</a:t>
             </a:fld>
             <a:endParaRPr lang="en-US"/>
           </a:p>
@@ -1906,7 +1906,7 @@
           <a:p>
             <a:fld id="{241C2AFF-2713-CE47-B7A0-9D68EEB70F09}" type="datetimeFigureOut">
               <a:rPr lang="en-US" smtClean="0"/>
-              <a:t>12/27/23</a:t>
+              <a:t>1/12/24</a:t>
             </a:fld>
             <a:endParaRPr lang="en-US"/>
           </a:p>
@@ -2104,7 +2104,7 @@
           <a:p>
             <a:fld id="{241C2AFF-2713-CE47-B7A0-9D68EEB70F09}" type="datetimeFigureOut">
               <a:rPr lang="en-US" smtClean="0"/>
-              <a:t>12/27/23</a:t>
+              <a:t>1/12/24</a:t>
             </a:fld>
             <a:endParaRPr lang="en-US"/>
           </a:p>
@@ -2379,7 +2379,7 @@
           <a:p>
             <a:fld id="{241C2AFF-2713-CE47-B7A0-9D68EEB70F09}" type="datetimeFigureOut">
               <a:rPr lang="en-US" smtClean="0"/>
-              <a:t>12/27/23</a:t>
+              <a:t>1/12/24</a:t>
             </a:fld>
             <a:endParaRPr lang="en-US"/>
           </a:p>
@@ -2644,7 +2644,7 @@
           <a:p>
             <a:fld id="{241C2AFF-2713-CE47-B7A0-9D68EEB70F09}" type="datetimeFigureOut">
               <a:rPr lang="en-US" smtClean="0"/>
-              <a:t>12/27/23</a:t>
+              <a:t>1/12/24</a:t>
             </a:fld>
             <a:endParaRPr lang="en-US"/>
           </a:p>
@@ -3056,7 +3056,7 @@
           <a:p>
             <a:fld id="{241C2AFF-2713-CE47-B7A0-9D68EEB70F09}" type="datetimeFigureOut">
               <a:rPr lang="en-US" smtClean="0"/>
-              <a:t>12/27/23</a:t>
+              <a:t>1/12/24</a:t>
             </a:fld>
             <a:endParaRPr lang="en-US"/>
           </a:p>
@@ -3197,7 +3197,7 @@
           <a:p>
             <a:fld id="{241C2AFF-2713-CE47-B7A0-9D68EEB70F09}" type="datetimeFigureOut">
               <a:rPr lang="en-US" smtClean="0"/>
-              <a:t>12/27/23</a:t>
+              <a:t>1/12/24</a:t>
             </a:fld>
             <a:endParaRPr lang="en-US"/>
           </a:p>
@@ -3310,7 +3310,7 @@
           <a:p>
             <a:fld id="{241C2AFF-2713-CE47-B7A0-9D68EEB70F09}" type="datetimeFigureOut">
               <a:rPr lang="en-US" smtClean="0"/>
-              <a:t>12/27/23</a:t>
+              <a:t>1/12/24</a:t>
             </a:fld>
             <a:endParaRPr lang="en-US"/>
           </a:p>
@@ -3621,7 +3621,7 @@
           <a:p>
             <a:fld id="{241C2AFF-2713-CE47-B7A0-9D68EEB70F09}" type="datetimeFigureOut">
               <a:rPr lang="en-US" smtClean="0"/>
-              <a:t>12/27/23</a:t>
+              <a:t>1/12/24</a:t>
             </a:fld>
             <a:endParaRPr lang="en-US"/>
           </a:p>
@@ -3909,7 +3909,7 @@
           <a:p>
             <a:fld id="{241C2AFF-2713-CE47-B7A0-9D68EEB70F09}" type="datetimeFigureOut">
               <a:rPr lang="en-US" smtClean="0"/>
-              <a:t>12/27/23</a:t>
+              <a:t>1/12/24</a:t>
             </a:fld>
             <a:endParaRPr lang="en-US"/>
           </a:p>
@@ -4150,7 +4150,7 @@
           <a:p>
             <a:fld id="{241C2AFF-2713-CE47-B7A0-9D68EEB70F09}" type="datetimeFigureOut">
               <a:rPr lang="en-US" smtClean="0"/>
-              <a:t>12/27/23</a:t>
+              <a:t>1/12/24</a:t>
             </a:fld>
             <a:endParaRPr lang="en-US"/>
           </a:p>
@@ -9065,7 +9065,7 @@
         <p:spPr>
           <a:xfrm>
             <a:off x="617438" y="1720840"/>
-            <a:ext cx="10954089" cy="3416320"/>
+            <a:ext cx="10954089" cy="3785652"/>
           </a:xfrm>
           <a:prstGeom prst="rect">
             <a:avLst/>
@@ -9089,6 +9089,16 @@
             <a:r>
               <a:rPr lang="en-US" sz="2400" dirty="0"/>
               <a:t> is a python-based workflow language</a:t>
+            </a:r>
+          </a:p>
+          <a:p>
+            <a:pPr marL="742950" lvl="1" indent="-285750">
+              <a:buFont typeface="Arial" panose="020B0604020202020204" pitchFamily="34" charset="0"/>
+              <a:buChar char="•"/>
+            </a:pPr>
+            <a:r>
+              <a:rPr lang="en-US" sz="2400" dirty="0"/>
+              <a:t>you don’t really need to know python though</a:t>
             </a:r>
           </a:p>
           <a:p>
